--- a/output/03_mendel.pptx
+++ b/output/03_mendel.pptx
@@ -11,7 +11,6 @@
     <p:sldId id="259" r:id="rId10"/>
     <p:sldId id="260" r:id="rId11"/>
     <p:sldId id="261" r:id="rId12"/>
-    <p:sldId id="262" r:id="rId13"/>
   </p:sldIdLst>
   <p:sldSz cx="9144000" cy="6858000" type="screen4x3"/>
   <p:notesSz cx="6858000" cy="9144000"/>
@@ -3264,51 +3263,7 @@
           <a:bodyPr/>
           <a:lstStyle/>
           <a:p/>
-          <a:p>
-            <a:r>
-              <a:t>&lt;div class="grid grid-cols-2 gap-4"&gt;</a:t>
-            </a:r>
-            <a:br/>
-            <a:r>
-              <a:t>  &lt;div class="bg-emerald-50 p-4 rounded-lg border-l-4 border-emerald-500"&gt;</a:t>
-            </a:r>
-            <a:br/>
-            <a:r>
-              <a:t>    &lt;h4 class="font-bold mb-2"&gt;완두가 좋은 이유&lt;/h4&gt;</a:t>
-            </a:r>
-            <a:br/>
-            <a:r>
-              <a:t>    &lt;ul class="list-disc list-inside"&gt;</a:t>
-            </a:r>
-            <a:br/>
-            <a:r>
-              <a:t>      &lt;li&gt;재배하기 쉽고 한 세대가 짧다.&lt;/li&gt;</a:t>
-            </a:r>
-            <a:br/>
-            <a:r>
-              <a:t>      &lt;li&gt;자손의 수가 많아 통계 처리에 유리하다.&lt;/li&gt;</a:t>
-            </a:r>
-            <a:br/>
-            <a:r>
-              <a:t>      &lt;li&gt;대립 형질이 뚜렷하다.&lt;/li&gt;</a:t>
-            </a:r>
-            <a:br/>
-            <a:r>
-              <a:t>    &lt;/ul&gt;</a:t>
-            </a:r>
-            <a:br/>
-            <a:r>
-              <a:t>  &lt;/div&gt;</a:t>
-            </a:r>
-            <a:br/>
-            <a:r>
-              <a:t>  &lt;img src="/images/mendel_pea_traits.jpg" class="rounded shadow h-40 object-cover" /&gt;</a:t>
-            </a:r>
-            <a:br/>
-            <a:r>
-              <a:t>&lt;/div&gt;</a:t>
-            </a:r>
-          </a:p>
+          <a:p/>
         </p:txBody>
       </p:sp>
     </p:spTree>
@@ -3370,17 +3325,6 @@
               <a:t>잡종 1대(F1)에서 우성 형질만 나타나는 원리</a:t>
             </a:r>
             <a:br/>
-            <a:r>
-              <a:t>&lt;div class="p-4 bg-yellow-50 rounded mt-2 border border-yellow-200"&gt;</a:t>
-            </a:r>
-            <a:br/>
-            <a:r>
-              <a:t>  YY (황색) x yy (녹색) → Yy (황색 100%)</a:t>
-            </a:r>
-            <a:br/>
-            <a:r>
-              <a:t>&lt;/div&gt;</a:t>
-            </a:r>
           </a:p>
         </p:txBody>
       </p:sp>
@@ -3443,17 +3387,6 @@
               <a:t>생식세포 형성 시 대립 유전자가 분리되어 서로 다른 세포로 들어가는 법칙 (잡종 2대에서 3:1 분리)</a:t>
             </a:r>
             <a:br/>
-            <a:r>
-              <a:t>&lt;div class="mt-4 flex justify-center"&gt;</a:t>
-            </a:r>
-            <a:br/>
-            <a:r>
-              <a:t>  &lt;img src="/images/mendel_segregation.jpg" class="rounded shadow-lg h-48" /&gt;</a:t>
-            </a:r>
-            <a:br/>
-            <a:r>
-              <a:t>&lt;/div&gt;</a:t>
-            </a:r>
           </a:p>
         </p:txBody>
       </p:sp>
@@ -3516,91 +3449,6 @@
               <a:t>두 쌍 이상의 형질이 서로 영향을 주지 않고 독립적으로 유전되는 법칙 (9:3:3:1)</a:t>
             </a:r>
             <a:br/>
-            <a:r>
-              <a:t>&lt;div class="mt-4 flex justify-center"&gt;</a:t>
-            </a:r>
-            <a:br/>
-            <a:r>
-              <a:t>  &lt;img src="/images/mendel_independent.jpg" class="rounded shadow-lg h-48" /&gt;</a:t>
-            </a:r>
-            <a:br/>
-            <a:r>
-              <a:t>&lt;/div&gt;</a:t>
-            </a:r>
-          </a:p>
-        </p:txBody>
-      </p:sp>
-    </p:spTree>
-  </p:cSld>
-  <p:clrMapOvr>
-    <a:masterClrMapping/>
-  </p:clrMapOvr>
-</p:sld>
-</file>
-
-<file path=ppt/slides/slide7.xml><?xml version="1.0" encoding="utf-8"?>
-<p:sld xmlns:a="http://schemas.openxmlformats.org/drawingml/2006/main" xmlns:p="http://schemas.openxmlformats.org/presentationml/2006/main" xmlns:r="http://schemas.openxmlformats.org/officeDocument/2006/relationships">
-  <p:cSld>
-    <p:spTree>
-      <p:nvGrpSpPr>
-        <p:cNvPr id="1" name=""/>
-        <p:cNvGrpSpPr/>
-        <p:nvPr/>
-      </p:nvGrpSpPr>
-      <p:grpSpPr/>
-      <p:sp>
-        <p:nvSpPr>
-          <p:cNvPr id="2" name="Title 1"/>
-          <p:cNvSpPr>
-            <a:spLocks noGrp="1"/>
-          </p:cNvSpPr>
-          <p:nvPr>
-            <p:ph type="title"/>
-          </p:nvPr>
-        </p:nvSpPr>
-        <p:spPr/>
-        <p:txBody>
-          <a:bodyPr/>
-          <a:lstStyle/>
-          <a:p>
-            <a:r>
-              <a:t>핵심 정리 📝</a:t>
-            </a:r>
-          </a:p>
-        </p:txBody>
-      </p:sp>
-      <p:sp>
-        <p:nvSpPr>
-          <p:cNvPr id="3" name="Content Placeholder 2"/>
-          <p:cNvSpPr>
-            <a:spLocks noGrp="1"/>
-          </p:cNvSpPr>
-          <p:nvPr>
-            <p:ph idx="1"/>
-          </p:nvPr>
-        </p:nvSpPr>
-        <p:spPr/>
-        <p:txBody>
-          <a:bodyPr/>
-          <a:lstStyle/>
-          <a:p/>
-          <a:p>
-            <a:pPr/>
-            <a:r>
-              <a:t>우열의 원리: 잡종 1대에서는 우성만 표현됨</a:t>
-            </a:r>
-          </a:p>
-          <a:p>
-            <a:pPr/>
-            <a:r>
-              <a:t>분리의 법칙: 생식세포 형성 시 유전자가 분리됨 (3:1)</a:t>
-            </a:r>
-          </a:p>
-          <a:p>
-            <a:pPr/>
-            <a:r>
-              <a:t>독립의 법칙: 여러 형질은 독립적으로 유전됨 (9:3:3:1)</a:t>
-            </a:r>
           </a:p>
         </p:txBody>
       </p:sp>
